--- a/Materials/Slides/Week_5_R.pptx
+++ b/Materials/Slides/Week_5_R.pptx
@@ -7,6 +7,11 @@
   <p:sldIdLst>
     <p:sldId id="256" r:id="rId2"/>
     <p:sldId id="257" r:id="rId3"/>
+    <p:sldId id="258" r:id="rId4"/>
+    <p:sldId id="259" r:id="rId5"/>
+    <p:sldId id="260" r:id="rId6"/>
+    <p:sldId id="261" r:id="rId7"/>
+    <p:sldId id="262" r:id="rId8"/>
   </p:sldIdLst>
   <p:sldSz cx="9144000" cy="5143500" type="screen16x9"/>
   <p:notesSz cx="6858000" cy="9144000"/>
@@ -6313,6 +6318,807 @@
 </p:sld>
 </file>
 
+<file path=ppt/slides/slide3.xml><?xml version="1.0" encoding="utf-8"?>
+<p:sld xmlns:a="http://schemas.openxmlformats.org/drawingml/2006/main" xmlns:r="http://schemas.openxmlformats.org/officeDocument/2006/relationships" xmlns:p="http://schemas.openxmlformats.org/presentationml/2006/main">
+  <p:cSld>
+    <p:spTree>
+      <p:nvGrpSpPr>
+        <p:cNvPr id="1" name=""/>
+        <p:cNvGrpSpPr/>
+        <p:nvPr/>
+      </p:nvGrpSpPr>
+      <p:grpSpPr>
+        <a:xfrm>
+          <a:off x="0" y="0"/>
+          <a:ext cx="0" cy="0"/>
+          <a:chOff x="0" y="0"/>
+          <a:chExt cx="0" cy="0"/>
+        </a:xfrm>
+      </p:grpSpPr>
+      <p:sp>
+        <p:nvSpPr>
+          <p:cNvPr id="2" name="Title 1"/>
+          <p:cNvSpPr>
+            <a:spLocks noGrp="1"/>
+          </p:cNvSpPr>
+          <p:nvPr>
+            <p:ph hasCustomPrompt="1" type="title"/>
+          </p:nvPr>
+        </p:nvSpPr>
+        <p:spPr>
+          <a:xfrm>
+            <a:off x="457200" y="205979"/>
+            <a:ext cx="7532376" cy="371011"/>
+          </a:xfrm>
+          <a:prstGeom prst="rect">
+            <a:avLst/>
+          </a:prstGeom>
+        </p:spPr>
+        <p:txBody>
+          <a:bodyPr/>
+          <a:lstStyle/>
+          <a:p>
+            <a:pPr lvl="0" indent="0" marL="0">
+              <a:buNone/>
+            </a:pPr>
+            <a:r>
+              <a:rPr/>
+              <a:t>Interaction models</a:t>
+            </a:r>
+          </a:p>
+        </p:txBody>
+      </p:sp>
+      <p:sp>
+        <p:nvSpPr>
+          <p:cNvPr id="3" name="Content Placeholder 2"/>
+          <p:cNvSpPr>
+            <a:spLocks noGrp="1"/>
+          </p:cNvSpPr>
+          <p:nvPr>
+            <p:ph hasCustomPrompt="1" idx="1"/>
+          </p:nvPr>
+        </p:nvSpPr>
+        <p:spPr/>
+        <p:txBody>
+          <a:bodyPr/>
+          <a:lstStyle/>
+          <a:p>
+            <a:pPr lvl="0"/>
+            <a:r>
+              <a:rPr/>
+              <a:t>In linear models, each explanatory variable is assumed to have an effect on the outcome variable that is independent of the values of other explanatory variables included in the model  main effects</a:t>
+            </a:r>
+          </a:p>
+          <a:p>
+            <a:pPr lvl="0"/>
+            <a:r>
+              <a:rPr/>
+              <a:t>We can reject this assumption and model any theoretically motivated dependencies between the explanatory variables themselves</a:t>
+            </a:r>
+          </a:p>
+          <a:p>
+            <a:pPr lvl="0"/>
+            <a:r>
+              <a:rPr/>
+              <a:t>We “multiplicate” the effect of two explanatory variables to estimate their effect as dependent on the values of the other explanatory variable(s)</a:t>
+            </a:r>
+          </a:p>
+        </p:txBody>
+      </p:sp>
+      <p:sp>
+        <p:nvSpPr>
+          <p:cNvPr id="5" name="Footer Placeholder 4"/>
+          <p:cNvSpPr>
+            <a:spLocks noGrp="1"/>
+          </p:cNvSpPr>
+          <p:nvPr>
+            <p:ph idx="11" sz="quarter" type="ftr"/>
+          </p:nvPr>
+        </p:nvSpPr>
+        <p:spPr/>
+        <p:txBody>
+          <a:bodyPr/>
+          <a:lstStyle/>
+          <a:p>
+            <a:endParaRPr dirty="0" lang="en-US"/>
+          </a:p>
+        </p:txBody>
+      </p:sp>
+      <p:sp>
+        <p:nvSpPr>
+          <p:cNvPr id="6" name="Slide Number Placeholder 5"/>
+          <p:cNvSpPr>
+            <a:spLocks noGrp="1"/>
+          </p:cNvSpPr>
+          <p:nvPr>
+            <p:ph idx="12" sz="quarter" type="sldNum"/>
+          </p:nvPr>
+        </p:nvSpPr>
+        <p:spPr/>
+        <p:txBody>
+          <a:bodyPr/>
+          <a:lstStyle/>
+          <a:p>
+            <a:r>
+              <a:rPr dirty="0" lang="en-US"/>
+              <a:t>Slide </a:t>
+            </a:r>
+            <a:fld id="{C5EF2332-01BF-834F-8236-50238282D533}" type="slidenum">
+              <a:rPr lang="en-US" smtClean="0"/>
+              <a:pPr/>
+              <a:t>‹#›</a:t>
+            </a:fld>
+            <a:endParaRPr dirty="0" lang="en-US"/>
+          </a:p>
+        </p:txBody>
+      </p:sp>
+    </p:spTree>
+  </p:cSld>
+  <p:timing>
+    <p:tnLst>
+      <p:par>
+        <p:cTn id="1" dur="indefinite" restart="never" nodeType="tmRoot">
+          <p:childTnLst>
+            <p:seq concurrent="1" nextAc="seek">
+              <p:cTn id="2" dur="indefinite" nodeType="mainSeq">
+                <p:childTnLst>
+                  <p:par>
+                    <p:cTn id="3" fill="hold">
+                      <p:stCondLst>
+                        <p:cond delay="indefinite"/>
+                      </p:stCondLst>
+                      <p:childTnLst>
+                        <p:par>
+                          <p:cTn id="4" fill="hold">
+                            <p:stCondLst>
+                              <p:cond delay="0"/>
+                            </p:stCondLst>
+                            <p:childTnLst>
+                              <p:par>
+                                <p:cTn id="5" presetID="1" presetClass="entr" presetSubtype="0" fill="hold" grpId="0" nodeType="clickEffect">
+                                  <p:stCondLst>
+                                    <p:cond delay="0"/>
+                                  </p:stCondLst>
+                                  <p:childTnLst>
+                                    <p:set>
+                                      <p:cBhvr>
+                                        <p:cTn id="6" dur="1" fill="hold">
+                                          <p:stCondLst>
+                                            <p:cond delay="0"/>
+                                          </p:stCondLst>
+                                        </p:cTn>
+                                        <p:tgtEl>
+                                          <p:spTgt spid="3">
+                                            <p:txEl>
+                                              <p:pRg st="0" end="0"/>
+                                            </p:txEl>
+                                          </p:spTgt>
+                                        </p:tgtEl>
+                                        <p:attrNameLst>
+                                          <p:attrName>style.visibility</p:attrName>
+                                        </p:attrNameLst>
+                                      </p:cBhvr>
+                                      <p:to>
+                                        <p:strVal val="visible"/>
+                                      </p:to>
+                                    </p:set>
+                                  </p:childTnLst>
+                                </p:cTn>
+                              </p:par>
+                            </p:childTnLst>
+                          </p:cTn>
+                        </p:par>
+                      </p:childTnLst>
+                    </p:cTn>
+                  </p:par>
+                  <p:par>
+                    <p:cTn id="7" fill="hold">
+                      <p:stCondLst>
+                        <p:cond delay="indefinite"/>
+                      </p:stCondLst>
+                      <p:childTnLst>
+                        <p:par>
+                          <p:cTn id="8" fill="hold">
+                            <p:stCondLst>
+                              <p:cond delay="0"/>
+                            </p:stCondLst>
+                            <p:childTnLst>
+                              <p:par>
+                                <p:cTn id="9" presetID="1" presetClass="entr" presetSubtype="0" fill="hold" grpId="0" nodeType="clickEffect">
+                                  <p:stCondLst>
+                                    <p:cond delay="0"/>
+                                  </p:stCondLst>
+                                  <p:childTnLst>
+                                    <p:set>
+                                      <p:cBhvr>
+                                        <p:cTn id="10" dur="1" fill="hold">
+                                          <p:stCondLst>
+                                            <p:cond delay="0"/>
+                                          </p:stCondLst>
+                                        </p:cTn>
+                                        <p:tgtEl>
+                                          <p:spTgt spid="3">
+                                            <p:txEl>
+                                              <p:pRg st="1" end="1"/>
+                                            </p:txEl>
+                                          </p:spTgt>
+                                        </p:tgtEl>
+                                        <p:attrNameLst>
+                                          <p:attrName>style.visibility</p:attrName>
+                                        </p:attrNameLst>
+                                      </p:cBhvr>
+                                      <p:to>
+                                        <p:strVal val="visible"/>
+                                      </p:to>
+                                    </p:set>
+                                  </p:childTnLst>
+                                </p:cTn>
+                              </p:par>
+                            </p:childTnLst>
+                          </p:cTn>
+                        </p:par>
+                      </p:childTnLst>
+                    </p:cTn>
+                  </p:par>
+                  <p:par>
+                    <p:cTn id="11" fill="hold">
+                      <p:stCondLst>
+                        <p:cond delay="indefinite"/>
+                      </p:stCondLst>
+                      <p:childTnLst>
+                        <p:par>
+                          <p:cTn id="12" fill="hold">
+                            <p:stCondLst>
+                              <p:cond delay="0"/>
+                            </p:stCondLst>
+                            <p:childTnLst>
+                              <p:par>
+                                <p:cTn id="13" presetID="1" presetClass="entr" presetSubtype="0" fill="hold" grpId="0" nodeType="clickEffect">
+                                  <p:stCondLst>
+                                    <p:cond delay="0"/>
+                                  </p:stCondLst>
+                                  <p:childTnLst>
+                                    <p:set>
+                                      <p:cBhvr>
+                                        <p:cTn id="14" dur="1" fill="hold">
+                                          <p:stCondLst>
+                                            <p:cond delay="0"/>
+                                          </p:stCondLst>
+                                        </p:cTn>
+                                        <p:tgtEl>
+                                          <p:spTgt spid="3">
+                                            <p:txEl>
+                                              <p:pRg st="2" end="2"/>
+                                            </p:txEl>
+                                          </p:spTgt>
+                                        </p:tgtEl>
+                                        <p:attrNameLst>
+                                          <p:attrName>style.visibility</p:attrName>
+                                        </p:attrNameLst>
+                                      </p:cBhvr>
+                                      <p:to>
+                                        <p:strVal val="visible"/>
+                                      </p:to>
+                                    </p:set>
+                                  </p:childTnLst>
+                                </p:cTn>
+                              </p:par>
+                            </p:childTnLst>
+                          </p:cTn>
+                        </p:par>
+                      </p:childTnLst>
+                    </p:cTn>
+                  </p:par>
+                </p:childTnLst>
+              </p:cTn>
+              <p:prevCondLst>
+                <p:cond evt="onPrev" delay="0">
+                  <p:tgtEl>
+                    <p:sldTgt/>
+                  </p:tgtEl>
+                </p:cond>
+              </p:prevCondLst>
+              <p:nextCondLst>
+                <p:cond evt="onNext" delay="0">
+                  <p:tgtEl>
+                    <p:sldTgt/>
+                  </p:tgtEl>
+                </p:cond>
+              </p:nextCondLst>
+            </p:seq>
+          </p:childTnLst>
+        </p:cTn>
+      </p:par>
+    </p:tnLst>
+    <p:bldLst>
+      <p:bldP spid="3" grpId="0" uiExpand="1" build="p"/>
+    </p:bldLst>
+  </p:timing>
+</p:sld>
+</file>
+
+<file path=ppt/slides/slide4.xml><?xml version="1.0" encoding="utf-8"?>
+<p:sld xmlns:a="http://schemas.openxmlformats.org/drawingml/2006/main" xmlns:r="http://schemas.openxmlformats.org/officeDocument/2006/relationships" xmlns:p="http://schemas.openxmlformats.org/presentationml/2006/main">
+  <p:cSld>
+    <p:spTree>
+      <p:nvGrpSpPr>
+        <p:cNvPr id="1" name=""/>
+        <p:cNvGrpSpPr/>
+        <p:nvPr/>
+      </p:nvGrpSpPr>
+      <p:grpSpPr>
+        <a:xfrm>
+          <a:off x="0" y="0"/>
+          <a:ext cx="0" cy="0"/>
+          <a:chOff x="0" y="0"/>
+          <a:chExt cx="0" cy="0"/>
+        </a:xfrm>
+      </p:grpSpPr>
+      <p:sp>
+        <p:nvSpPr>
+          <p:cNvPr id="2" name="Title 1"/>
+          <p:cNvSpPr>
+            <a:spLocks noGrp="1"/>
+          </p:cNvSpPr>
+          <p:nvPr>
+            <p:ph hasCustomPrompt="1" type="title"/>
+          </p:nvPr>
+        </p:nvSpPr>
+        <p:spPr>
+          <a:xfrm>
+            <a:off x="457200" y="205979"/>
+            <a:ext cx="7532376" cy="371011"/>
+          </a:xfrm>
+          <a:prstGeom prst="rect">
+            <a:avLst/>
+          </a:prstGeom>
+        </p:spPr>
+        <p:txBody>
+          <a:bodyPr/>
+          <a:lstStyle/>
+          <a:p>
+            <a:pPr lvl="0" indent="0" marL="0">
+              <a:buNone/>
+            </a:pPr>
+            <a:r>
+              <a:rPr/>
+              <a:t>Remember…</a:t>
+            </a:r>
+          </a:p>
+        </p:txBody>
+      </p:sp>
+      <p:pic>
+        <p:nvPicPr>
+          <p:cNvPr descr="Week_5_R_files/figure-pptx/unnamed-chunk-2-1.png" id="0" name="Picture 1"/>
+          <p:cNvPicPr>
+            <a:picLocks noGrp="1" noChangeAspect="1"/>
+          </p:cNvPicPr>
+          <p:nvPr/>
+        </p:nvPicPr>
+        <p:blipFill>
+          <a:blip r:embed="rId2"/>
+          <a:stretch>
+            <a:fillRect/>
+          </a:stretch>
+        </p:blipFill>
+        <p:spPr bwMode="auto">
+          <a:xfrm>
+            <a:off x="457200" y="685800"/>
+            <a:ext cx="8229600" cy="4114800"/>
+          </a:xfrm>
+          <a:prstGeom prst="rect">
+            <a:avLst/>
+          </a:prstGeom>
+          <a:noFill/>
+          <a:ln w="9525">
+            <a:noFill/>
+            <a:headEnd/>
+            <a:tailEnd/>
+          </a:ln>
+        </p:spPr>
+      </p:pic>
+      <p:sp>
+        <p:nvSpPr>
+          <p:cNvPr id="5" name="Footer Placeholder 4"/>
+          <p:cNvSpPr>
+            <a:spLocks noGrp="1"/>
+          </p:cNvSpPr>
+          <p:nvPr>
+            <p:ph idx="11" sz="quarter" type="ftr"/>
+          </p:nvPr>
+        </p:nvSpPr>
+        <p:spPr/>
+        <p:txBody>
+          <a:bodyPr/>
+          <a:lstStyle/>
+          <a:p>
+            <a:endParaRPr dirty="0" lang="en-US"/>
+          </a:p>
+        </p:txBody>
+      </p:sp>
+      <p:sp>
+        <p:nvSpPr>
+          <p:cNvPr id="6" name="Slide Number Placeholder 5"/>
+          <p:cNvSpPr>
+            <a:spLocks noGrp="1"/>
+          </p:cNvSpPr>
+          <p:nvPr>
+            <p:ph idx="12" sz="quarter" type="sldNum"/>
+          </p:nvPr>
+        </p:nvSpPr>
+        <p:spPr/>
+        <p:txBody>
+          <a:bodyPr/>
+          <a:lstStyle/>
+          <a:p>
+            <a:r>
+              <a:rPr dirty="0" lang="en-US"/>
+              <a:t>Slide </a:t>
+            </a:r>
+            <a:fld id="{C5EF2332-01BF-834F-8236-50238282D533}" type="slidenum">
+              <a:rPr lang="en-US" smtClean="0"/>
+              <a:pPr/>
+              <a:t>‹#›</a:t>
+            </a:fld>
+            <a:endParaRPr dirty="0" lang="en-US"/>
+          </a:p>
+        </p:txBody>
+      </p:sp>
+    </p:spTree>
+  </p:cSld>
+</p:sld>
+</file>
+
+<file path=ppt/slides/slide5.xml><?xml version="1.0" encoding="utf-8"?>
+<p:sld xmlns:a="http://schemas.openxmlformats.org/drawingml/2006/main" xmlns:r="http://schemas.openxmlformats.org/officeDocument/2006/relationships" xmlns:p="http://schemas.openxmlformats.org/presentationml/2006/main">
+  <p:cSld>
+    <p:spTree>
+      <p:nvGrpSpPr>
+        <p:cNvPr id="1" name=""/>
+        <p:cNvGrpSpPr/>
+        <p:nvPr/>
+      </p:nvGrpSpPr>
+      <p:grpSpPr>
+        <a:xfrm>
+          <a:off x="0" y="0"/>
+          <a:ext cx="0" cy="0"/>
+          <a:chOff x="0" y="0"/>
+          <a:chExt cx="0" cy="0"/>
+        </a:xfrm>
+      </p:grpSpPr>
+      <p:sp>
+        <p:nvSpPr>
+          <p:cNvPr id="4" name="Text Placeholder 3">
+            <a:extLst>
+              <a:ext uri="{FF2B5EF4-FFF2-40B4-BE49-F238E27FC236}">
+                <a16:creationId xmlns:a16="http://schemas.microsoft.com/office/drawing/2014/main" id="{824213AC-B520-1C10-5083-9B4C825E476E}"/>
+              </a:ext>
+            </a:extLst>
+          </p:cNvPr>
+          <p:cNvSpPr>
+            <a:spLocks noGrp="1"/>
+          </p:cNvSpPr>
+          <p:nvPr>
+            <p:ph idx="2" sz="half" type="body"/>
+          </p:nvPr>
+        </p:nvSpPr>
+        <p:spPr/>
+        <p:txBody>
+          <a:bodyPr/>
+          <a:lstStyle/>
+          <a:p>
+            <a:pPr lvl="0" indent="0">
+              <a:buNone/>
+            </a:pPr>
+            <a:r>
+              <a:rPr>
+                <a:latin typeface="Courier"/>
+              </a:rPr>
+              <a:t>Parameter   | Coefficient |   SE |         95% CI | t(77) |      p
+------------------------------------------------------------------
+(Intercept) |       45.38 | 5.21 | [35.01, 55.76] |  8.71 | &lt; .001
+s80s20      |       -3.11 | 0.74 | [-4.60, -1.63] | -4.18 | &lt; .001</a:t>
+            </a:r>
+          </a:p>
+        </p:txBody>
+      </p:sp>
+      <p:pic>
+        <p:nvPicPr>
+          <p:cNvPr descr="Week_5_R_files/figure-pptx/unnamed-chunk-3-1.png" id="0" name="Picture 1"/>
+          <p:cNvPicPr>
+            <a:picLocks noGrp="1" noChangeAspect="1"/>
+          </p:cNvPicPr>
+          <p:nvPr/>
+        </p:nvPicPr>
+        <p:blipFill>
+          <a:blip r:embed="rId2"/>
+          <a:stretch>
+            <a:fillRect/>
+          </a:stretch>
+        </p:blipFill>
+        <p:spPr bwMode="auto">
+          <a:xfrm>
+            <a:off x="3898900" y="1638300"/>
+            <a:ext cx="4775200" cy="2387600"/>
+          </a:xfrm>
+          <a:prstGeom prst="rect">
+            <a:avLst/>
+          </a:prstGeom>
+          <a:noFill/>
+          <a:ln w="9525">
+            <a:noFill/>
+            <a:headEnd/>
+            <a:tailEnd/>
+          </a:ln>
+        </p:spPr>
+      </p:pic>
+      <p:sp>
+        <p:nvSpPr>
+          <p:cNvPr id="6" name="Footer Placeholder 5">
+            <a:extLst>
+              <a:ext uri="{FF2B5EF4-FFF2-40B4-BE49-F238E27FC236}">
+                <a16:creationId xmlns:a16="http://schemas.microsoft.com/office/drawing/2014/main" id="{B44277B0-3AC5-0D62-7994-A671EFD6E93E}"/>
+              </a:ext>
+            </a:extLst>
+          </p:cNvPr>
+          <p:cNvSpPr>
+            <a:spLocks noGrp="1"/>
+          </p:cNvSpPr>
+          <p:nvPr>
+            <p:ph idx="11" sz="quarter" type="ftr"/>
+          </p:nvPr>
+        </p:nvSpPr>
+        <p:spPr/>
+        <p:txBody>
+          <a:bodyPr/>
+          <a:lstStyle/>
+          <a:p>
+            <a:endParaRPr lang="en-GB"/>
+          </a:p>
+        </p:txBody>
+      </p:sp>
+      <p:sp>
+        <p:nvSpPr>
+          <p:cNvPr id="5" name="Slide Number Placeholder 8">
+            <a:extLst>
+              <a:ext uri="{FF2B5EF4-FFF2-40B4-BE49-F238E27FC236}">
+                <a16:creationId xmlns:a16="http://schemas.microsoft.com/office/drawing/2014/main" id="{CC8FF6EA-8682-2BC8-E9B8-C6157593BBD6}"/>
+              </a:ext>
+            </a:extLst>
+          </p:cNvPr>
+          <p:cNvSpPr>
+            <a:spLocks noGrp="1"/>
+          </p:cNvSpPr>
+          <p:nvPr>
+            <p:ph idx="12" sz="quarter" type="sldNum"/>
+          </p:nvPr>
+        </p:nvSpPr>
+        <p:spPr>
+          <a:xfrm>
+            <a:off x="8017391" y="4930467"/>
+            <a:ext cx="669407" cy="180215"/>
+          </a:xfrm>
+        </p:spPr>
+        <p:txBody>
+          <a:bodyPr/>
+          <a:lstStyle/>
+          <a:p>
+            <a:r>
+              <a:rPr dirty="0" lang="en-US"/>
+              <a:t>Slide </a:t>
+            </a:r>
+            <a:fld id="{C5EF2332-01BF-834F-8236-50238282D533}" type="slidenum">
+              <a:rPr lang="en-US" smtClean="0"/>
+              <a:pPr/>
+              <a:t>‹#›</a:t>
+            </a:fld>
+            <a:endParaRPr dirty="0" lang="en-US"/>
+          </a:p>
+        </p:txBody>
+      </p:sp>
+    </p:spTree>
+  </p:cSld>
+</p:sld>
+</file>
+
+<file path=ppt/slides/slide6.xml><?xml version="1.0" encoding="utf-8"?>
+<p:sld xmlns:a="http://schemas.openxmlformats.org/drawingml/2006/main" xmlns:r="http://schemas.openxmlformats.org/officeDocument/2006/relationships" xmlns:p="http://schemas.openxmlformats.org/presentationml/2006/main">
+  <p:cSld>
+    <p:spTree>
+      <p:nvGrpSpPr>
+        <p:cNvPr id="1" name=""/>
+        <p:cNvGrpSpPr/>
+        <p:nvPr/>
+      </p:nvGrpSpPr>
+      <p:grpSpPr>
+        <a:xfrm>
+          <a:off x="0" y="0"/>
+          <a:ext cx="0" cy="0"/>
+          <a:chOff x="0" y="0"/>
+          <a:chExt cx="0" cy="0"/>
+        </a:xfrm>
+      </p:grpSpPr>
+      <p:pic>
+        <p:nvPicPr>
+          <p:cNvPr descr="Week_5_R_files/figure-pptx/unnamed-chunk-4-1.png" id="0" name="Picture 1"/>
+          <p:cNvPicPr>
+            <a:picLocks noGrp="1" noChangeAspect="1"/>
+          </p:cNvPicPr>
+          <p:nvPr/>
+        </p:nvPicPr>
+        <p:blipFill>
+          <a:blip r:embed="rId2"/>
+          <a:stretch>
+            <a:fillRect/>
+          </a:stretch>
+        </p:blipFill>
+        <p:spPr bwMode="auto">
+          <a:xfrm>
+            <a:off x="457200" y="685800"/>
+            <a:ext cx="8229600" cy="4114800"/>
+          </a:xfrm>
+          <a:prstGeom prst="rect">
+            <a:avLst/>
+          </a:prstGeom>
+          <a:noFill/>
+          <a:ln w="9525">
+            <a:noFill/>
+            <a:headEnd/>
+            <a:tailEnd/>
+          </a:ln>
+        </p:spPr>
+      </p:pic>
+      <p:sp>
+        <p:nvSpPr>
+          <p:cNvPr id="5" name="Footer Placeholder 4"/>
+          <p:cNvSpPr>
+            <a:spLocks noGrp="1"/>
+          </p:cNvSpPr>
+          <p:nvPr>
+            <p:ph idx="11" sz="quarter" type="ftr"/>
+          </p:nvPr>
+        </p:nvSpPr>
+        <p:spPr/>
+        <p:txBody>
+          <a:bodyPr/>
+          <a:lstStyle/>
+          <a:p>
+            <a:endParaRPr dirty="0" lang="en-US"/>
+          </a:p>
+        </p:txBody>
+      </p:sp>
+      <p:sp>
+        <p:nvSpPr>
+          <p:cNvPr id="6" name="Slide Number Placeholder 5"/>
+          <p:cNvSpPr>
+            <a:spLocks noGrp="1"/>
+          </p:cNvSpPr>
+          <p:nvPr>
+            <p:ph idx="12" sz="quarter" type="sldNum"/>
+          </p:nvPr>
+        </p:nvSpPr>
+        <p:spPr/>
+        <p:txBody>
+          <a:bodyPr/>
+          <a:lstStyle/>
+          <a:p>
+            <a:r>
+              <a:rPr dirty="0" lang="en-US"/>
+              <a:t>Slide </a:t>
+            </a:r>
+            <a:fld id="{C5EF2332-01BF-834F-8236-50238282D533}" type="slidenum">
+              <a:rPr lang="en-US" smtClean="0"/>
+              <a:pPr/>
+              <a:t>‹#›</a:t>
+            </a:fld>
+            <a:endParaRPr dirty="0" lang="en-US"/>
+          </a:p>
+        </p:txBody>
+      </p:sp>
+    </p:spTree>
+  </p:cSld>
+</p:sld>
+</file>
+
+<file path=ppt/slides/slide7.xml><?xml version="1.0" encoding="utf-8"?>
+<p:sld xmlns:a="http://schemas.openxmlformats.org/drawingml/2006/main" xmlns:r="http://schemas.openxmlformats.org/officeDocument/2006/relationships" xmlns:p="http://schemas.openxmlformats.org/presentationml/2006/main">
+  <p:cSld>
+    <p:spTree>
+      <p:nvGrpSpPr>
+        <p:cNvPr id="1" name=""/>
+        <p:cNvGrpSpPr/>
+        <p:nvPr/>
+      </p:nvGrpSpPr>
+      <p:grpSpPr>
+        <a:xfrm>
+          <a:off x="0" y="0"/>
+          <a:ext cx="0" cy="0"/>
+          <a:chOff x="0" y="0"/>
+          <a:chExt cx="0" cy="0"/>
+        </a:xfrm>
+      </p:grpSpPr>
+      <p:pic>
+        <p:nvPicPr>
+          <p:cNvPr descr="Week_5_R_files/figure-pptx/unnamed-chunk-5-1.png" id="0" name="Picture 1"/>
+          <p:cNvPicPr>
+            <a:picLocks noGrp="1" noChangeAspect="1"/>
+          </p:cNvPicPr>
+          <p:nvPr/>
+        </p:nvPicPr>
+        <p:blipFill>
+          <a:blip r:embed="rId2"/>
+          <a:stretch>
+            <a:fillRect/>
+          </a:stretch>
+        </p:blipFill>
+        <p:spPr bwMode="auto">
+          <a:xfrm>
+            <a:off x="457200" y="685800"/>
+            <a:ext cx="8229600" cy="4114800"/>
+          </a:xfrm>
+          <a:prstGeom prst="rect">
+            <a:avLst/>
+          </a:prstGeom>
+          <a:noFill/>
+          <a:ln w="9525">
+            <a:noFill/>
+            <a:headEnd/>
+            <a:tailEnd/>
+          </a:ln>
+        </p:spPr>
+      </p:pic>
+      <p:sp>
+        <p:nvSpPr>
+          <p:cNvPr id="5" name="Footer Placeholder 4"/>
+          <p:cNvSpPr>
+            <a:spLocks noGrp="1"/>
+          </p:cNvSpPr>
+          <p:nvPr>
+            <p:ph idx="11" sz="quarter" type="ftr"/>
+          </p:nvPr>
+        </p:nvSpPr>
+        <p:spPr/>
+        <p:txBody>
+          <a:bodyPr/>
+          <a:lstStyle/>
+          <a:p>
+            <a:endParaRPr dirty="0" lang="en-US"/>
+          </a:p>
+        </p:txBody>
+      </p:sp>
+      <p:sp>
+        <p:nvSpPr>
+          <p:cNvPr id="6" name="Slide Number Placeholder 5"/>
+          <p:cNvSpPr>
+            <a:spLocks noGrp="1"/>
+          </p:cNvSpPr>
+          <p:nvPr>
+            <p:ph idx="12" sz="quarter" type="sldNum"/>
+          </p:nvPr>
+        </p:nvSpPr>
+        <p:spPr/>
+        <p:txBody>
+          <a:bodyPr/>
+          <a:lstStyle/>
+          <a:p>
+            <a:r>
+              <a:rPr dirty="0" lang="en-US"/>
+              <a:t>Slide </a:t>
+            </a:r>
+            <a:fld id="{C5EF2332-01BF-834F-8236-50238282D533}" type="slidenum">
+              <a:rPr lang="en-US" smtClean="0"/>
+              <a:pPr/>
+              <a:t>‹#›</a:t>
+            </a:fld>
+            <a:endParaRPr dirty="0" lang="en-US"/>
+          </a:p>
+        </p:txBody>
+      </p:sp>
+    </p:spTree>
+  </p:cSld>
+</p:sld>
+</file>
+
 <file path=ppt/theme/theme1.xml><?xml version="1.0" encoding="utf-8"?>
 <a:theme xmlns:a="http://schemas.openxmlformats.org/drawingml/2006/main" name="SOC2069 Theme">
   <a:themeElements>
